--- a/doc/Lauma_Svilpe_prezentācija.pptx
+++ b/doc/Lauma_Svilpe_prezentācija.pptx
@@ -5,7 +5,7 @@
     <p:sldMasterId id="2147483712" r:id="rId4"/>
   </p:sldMasterIdLst>
   <p:notesMasterIdLst>
-    <p:notesMasterId r:id="rId23"/>
+    <p:notesMasterId r:id="rId22"/>
   </p:notesMasterIdLst>
   <p:sldIdLst>
     <p:sldId id="257" r:id="rId5"/>
@@ -16,16 +16,15 @@
     <p:sldId id="262" r:id="rId10"/>
     <p:sldId id="263" r:id="rId11"/>
     <p:sldId id="264" r:id="rId12"/>
-    <p:sldId id="266" r:id="rId13"/>
-    <p:sldId id="267" r:id="rId14"/>
-    <p:sldId id="268" r:id="rId15"/>
-    <p:sldId id="269" r:id="rId16"/>
-    <p:sldId id="270" r:id="rId17"/>
-    <p:sldId id="271" r:id="rId18"/>
-    <p:sldId id="273" r:id="rId19"/>
-    <p:sldId id="272" r:id="rId20"/>
-    <p:sldId id="274" r:id="rId21"/>
-    <p:sldId id="265" r:id="rId22"/>
+    <p:sldId id="267" r:id="rId13"/>
+    <p:sldId id="268" r:id="rId14"/>
+    <p:sldId id="269" r:id="rId15"/>
+    <p:sldId id="270" r:id="rId16"/>
+    <p:sldId id="271" r:id="rId17"/>
+    <p:sldId id="273" r:id="rId18"/>
+    <p:sldId id="272" r:id="rId19"/>
+    <p:sldId id="274" r:id="rId20"/>
+    <p:sldId id="265" r:id="rId21"/>
   </p:sldIdLst>
   <p:sldSz cx="12192000" cy="6858000"/>
   <p:notesSz cx="6858000" cy="9144000"/>
@@ -8559,7 +8558,7 @@
           <a:p>
             <a:fld id="{63A34E8F-3565-4A53-AB95-227C82C9CE80}" type="datetimeFigureOut">
               <a:rPr lang="en-US" smtClean="0"/>
-              <a:t>5/29/2020</a:t>
+              <a:t>6/1/2020</a:t>
             </a:fld>
             <a:endParaRPr lang="en-US"/>
           </a:p>
@@ -9064,7 +9063,7 @@
           <a:p>
             <a:fld id="{ED291B17-9318-49DB-B28B-6E5994AE9581}" type="datetime1">
               <a:rPr lang="en-US" smtClean="0"/>
-              <a:t>5/29/2020</a:t>
+              <a:t>6/1/2020</a:t>
             </a:fld>
             <a:endParaRPr lang="en-US" dirty="0"/>
           </a:p>
@@ -9267,7 +9266,7 @@
           <a:p>
             <a:fld id="{2CED4963-E985-44C4-B8C4-FDD613B7C2F8}" type="datetime1">
               <a:rPr lang="en-US" smtClean="0"/>
-              <a:t>5/29/2020</a:t>
+              <a:t>6/1/2020</a:t>
             </a:fld>
             <a:endParaRPr lang="en-US" dirty="0"/>
           </a:p>
@@ -9629,7 +9628,7 @@
           <a:p>
             <a:fld id="{ED291B17-9318-49DB-B28B-6E5994AE9581}" type="datetime1">
               <a:rPr lang="en-US" smtClean="0"/>
-              <a:t>5/29/2020</a:t>
+              <a:t>6/1/2020</a:t>
             </a:fld>
             <a:endParaRPr lang="en-US" dirty="0"/>
           </a:p>
@@ -9827,7 +9826,7 @@
           <a:p>
             <a:fld id="{78DD82B9-B8EE-4375-B6FF-88FA6ABB15D9}" type="datetime1">
               <a:rPr lang="en-US" smtClean="0"/>
-              <a:t>5/29/2020</a:t>
+              <a:t>6/1/2020</a:t>
             </a:fld>
             <a:endParaRPr lang="en-US" dirty="0"/>
           </a:p>
@@ -10139,7 +10138,7 @@
           <a:p>
             <a:fld id="{B2497495-0637-405E-AE64-5CC7506D51F5}" type="datetime1">
               <a:rPr lang="en-US" smtClean="0"/>
-              <a:t>5/29/2020</a:t>
+              <a:t>6/1/2020</a:t>
             </a:fld>
             <a:endParaRPr lang="en-US" dirty="0"/>
           </a:p>
@@ -10392,7 +10391,7 @@
           <a:p>
             <a:fld id="{7BFFD690-9426-415D-8B65-26881E07B2D4}" type="datetime1">
               <a:rPr lang="en-US" smtClean="0"/>
-              <a:t>5/29/2020</a:t>
+              <a:t>6/1/2020</a:t>
             </a:fld>
             <a:endParaRPr lang="en-US" dirty="0"/>
           </a:p>
@@ -10814,7 +10813,7 @@
           <a:p>
             <a:fld id="{04C4989A-474C-40DE-95B9-011C28B71673}" type="datetime1">
               <a:rPr lang="en-US" smtClean="0"/>
-              <a:t>5/29/2020</a:t>
+              <a:t>6/1/2020</a:t>
             </a:fld>
             <a:endParaRPr lang="en-US" dirty="0"/>
           </a:p>
@@ -10937,7 +10936,7 @@
           <a:p>
             <a:fld id="{5DB4ED54-5B5E-4A04-93D3-5772E3CE3818}" type="datetime1">
               <a:rPr lang="en-US" smtClean="0"/>
-              <a:t>5/29/2020</a:t>
+              <a:t>6/1/2020</a:t>
             </a:fld>
             <a:endParaRPr lang="en-US" dirty="0"/>
           </a:p>
@@ -11032,7 +11031,7 @@
           <a:p>
             <a:fld id="{4EDE50D6-574B-40AF-946F-D52A04ADE379}" type="datetime1">
               <a:rPr lang="en-US" smtClean="0"/>
-              <a:t>5/29/2020</a:t>
+              <a:t>6/1/2020</a:t>
             </a:fld>
             <a:endParaRPr lang="en-US" dirty="0"/>
           </a:p>
@@ -11409,7 +11408,7 @@
           <a:p>
             <a:fld id="{D82884F1-FFEA-405F-9602-3DCA865EDA4E}" type="datetime1">
               <a:rPr lang="en-US" smtClean="0"/>
-              <a:t>5/29/2020</a:t>
+              <a:t>6/1/2020</a:t>
             </a:fld>
             <a:endParaRPr lang="en-US" dirty="0"/>
           </a:p>
@@ -11702,7 +11701,7 @@
           <a:p>
             <a:fld id="{7E18DB4A-8810-4A10-AD5C-D5E2C667F5B3}" type="datetime1">
               <a:rPr lang="en-US" smtClean="0"/>
-              <a:t>5/29/2020</a:t>
+              <a:t>6/1/2020</a:t>
             </a:fld>
             <a:endParaRPr lang="en-US" dirty="0"/>
           </a:p>
@@ -11917,7 +11916,7 @@
           <a:p>
             <a:fld id="{ED291B17-9318-49DB-B28B-6E5994AE9581}" type="datetime1">
               <a:rPr lang="en-US" smtClean="0"/>
-              <a:t>5/29/2020</a:t>
+              <a:t>6/1/2020</a:t>
             </a:fld>
             <a:endParaRPr lang="en-US" dirty="0"/>
           </a:p>
@@ -12938,332 +12937,6 @@
 </file>
 
 <file path=ppt/slides/slide10.xml><?xml version="1.0" encoding="utf-8"?>
-<p:sld xmlns:a="http://schemas.openxmlformats.org/drawingml/2006/main" xmlns:r="http://schemas.openxmlformats.org/officeDocument/2006/relationships" xmlns:p="http://schemas.openxmlformats.org/presentationml/2006/main">
-  <p:cSld>
-    <p:spTree>
-      <p:nvGrpSpPr>
-        <p:cNvPr id="1" name=""/>
-        <p:cNvGrpSpPr/>
-        <p:nvPr/>
-      </p:nvGrpSpPr>
-      <p:grpSpPr>
-        <a:xfrm>
-          <a:off x="0" y="0"/>
-          <a:ext cx="0" cy="0"/>
-          <a:chOff x="0" y="0"/>
-          <a:chExt cx="0" cy="0"/>
-        </a:xfrm>
-      </p:grpSpPr>
-      <p:sp>
-        <p:nvSpPr>
-          <p:cNvPr id="2" name="Title 1">
-            <a:extLst>
-              <a:ext uri="{FF2B5EF4-FFF2-40B4-BE49-F238E27FC236}">
-                <a16:creationId xmlns:a16="http://schemas.microsoft.com/office/drawing/2014/main" id="{AD9E2DCD-BF27-4DD6-B0E1-33E605B12D7F}"/>
-              </a:ext>
-            </a:extLst>
-          </p:cNvPr>
-          <p:cNvSpPr>
-            <a:spLocks noGrp="1"/>
-          </p:cNvSpPr>
-          <p:nvPr>
-            <p:ph type="title"/>
-          </p:nvPr>
-        </p:nvSpPr>
-        <p:spPr>
-          <a:xfrm>
-            <a:off x="581192" y="702156"/>
-            <a:ext cx="11029616" cy="628804"/>
-          </a:xfrm>
-        </p:spPr>
-        <p:txBody>
-          <a:bodyPr/>
-          <a:lstStyle/>
-          <a:p>
-            <a:r>
-              <a:rPr lang="lv-LV" dirty="0"/>
-              <a:t>Publikāciju lielo datu sistēmas datu avotu izmaiņas</a:t>
-            </a:r>
-            <a:endParaRPr lang="en-US" dirty="0"/>
-          </a:p>
-        </p:txBody>
-      </p:sp>
-      <p:sp>
-        <p:nvSpPr>
-          <p:cNvPr id="7" name="Content Placeholder 6">
-            <a:extLst>
-              <a:ext uri="{FF2B5EF4-FFF2-40B4-BE49-F238E27FC236}">
-                <a16:creationId xmlns:a16="http://schemas.microsoft.com/office/drawing/2014/main" id="{5D88F880-D5D7-4A0F-8D5F-0B3559E323D1}"/>
-              </a:ext>
-            </a:extLst>
-          </p:cNvPr>
-          <p:cNvSpPr>
-            <a:spLocks noGrp="1"/>
-          </p:cNvSpPr>
-          <p:nvPr>
-            <p:ph idx="1"/>
-          </p:nvPr>
-        </p:nvSpPr>
-        <p:spPr/>
-        <p:txBody>
-          <a:bodyPr>
-            <a:normAutofit/>
-          </a:bodyPr>
-          <a:lstStyle/>
-          <a:p>
-            <a:r>
-              <a:rPr lang="en-US" sz="2400" dirty="0" err="1"/>
-              <a:t>Datu</a:t>
-            </a:r>
-            <a:r>
-              <a:rPr lang="en-US" sz="2400" dirty="0"/>
-              <a:t> </a:t>
-            </a:r>
-            <a:r>
-              <a:rPr lang="en-US" sz="2400" dirty="0" err="1"/>
-              <a:t>kopai</a:t>
-            </a:r>
-            <a:r>
-              <a:rPr lang="en-US" sz="2400" dirty="0"/>
-              <a:t> </a:t>
-            </a:r>
-            <a:r>
-              <a:rPr lang="en-US" sz="2400" b="1" i="1" dirty="0" err="1"/>
-              <a:t>Scopus_metrics</a:t>
-            </a:r>
-            <a:r>
-              <a:rPr lang="en-US" sz="2400" i="1" dirty="0"/>
-              <a:t> </a:t>
-            </a:r>
-            <a:r>
-              <a:rPr lang="en-US" sz="2400" dirty="0" err="1"/>
-              <a:t>pievienota</a:t>
-            </a:r>
-            <a:r>
-              <a:rPr lang="en-US" sz="2400" dirty="0"/>
-              <a:t> </a:t>
-            </a:r>
-            <a:r>
-              <a:rPr lang="en-US" sz="2400" dirty="0" err="1"/>
-              <a:t>datu</a:t>
-            </a:r>
-            <a:r>
-              <a:rPr lang="en-US" sz="2400" dirty="0"/>
-              <a:t> </a:t>
-            </a:r>
-            <a:r>
-              <a:rPr lang="en-US" sz="2400" dirty="0" err="1"/>
-              <a:t>vienība</a:t>
-            </a:r>
-            <a:r>
-              <a:rPr lang="en-US" sz="2400" dirty="0"/>
-              <a:t> </a:t>
-            </a:r>
-            <a:r>
-              <a:rPr lang="en-US" sz="2400" b="1" i="1" dirty="0" err="1"/>
-              <a:t>citeScoreYearInfoList</a:t>
-            </a:r>
-            <a:r>
-              <a:rPr lang="en-US" sz="2400" i="1" dirty="0"/>
-              <a:t>. </a:t>
-            </a:r>
-            <a:r>
-              <a:rPr lang="en-US" sz="2400" dirty="0"/>
-              <a:t>	</a:t>
-            </a:r>
-          </a:p>
-          <a:p>
-            <a:r>
-              <a:rPr lang="en-US" sz="2400" dirty="0"/>
-              <a:t>No </a:t>
-            </a:r>
-            <a:r>
-              <a:rPr lang="en-US" sz="2400" dirty="0" err="1"/>
-              <a:t>datu</a:t>
-            </a:r>
-            <a:r>
-              <a:rPr lang="en-US" sz="2400" dirty="0"/>
-              <a:t> </a:t>
-            </a:r>
-            <a:r>
-              <a:rPr lang="en-US" sz="2400" dirty="0" err="1"/>
-              <a:t>kopas</a:t>
-            </a:r>
-            <a:r>
-              <a:rPr lang="en-US" sz="2400" dirty="0"/>
-              <a:t> </a:t>
-            </a:r>
-            <a:r>
-              <a:rPr lang="en-US" sz="2400" b="1" i="1" dirty="0" err="1"/>
-              <a:t>Scopus_metrics</a:t>
-            </a:r>
-            <a:r>
-              <a:rPr lang="en-US" sz="2400" i="1" dirty="0"/>
-              <a:t> </a:t>
-            </a:r>
-            <a:r>
-              <a:rPr lang="en-US" sz="2400" dirty="0" err="1"/>
-              <a:t>izdzēsta</a:t>
-            </a:r>
-            <a:r>
-              <a:rPr lang="en-US" sz="2400" dirty="0"/>
-              <a:t> </a:t>
-            </a:r>
-            <a:r>
-              <a:rPr lang="en-US" sz="2400" dirty="0" err="1"/>
-              <a:t>datu</a:t>
-            </a:r>
-            <a:r>
-              <a:rPr lang="en-US" sz="2400" dirty="0"/>
-              <a:t> </a:t>
-            </a:r>
-            <a:r>
-              <a:rPr lang="en-US" sz="2400" dirty="0" err="1"/>
-              <a:t>vienība</a:t>
-            </a:r>
-            <a:r>
-              <a:rPr lang="en-US" sz="2400" dirty="0"/>
-              <a:t> </a:t>
-            </a:r>
-            <a:r>
-              <a:rPr lang="en-US" sz="2400" b="1" i="1" dirty="0"/>
-              <a:t>IPP</a:t>
-            </a:r>
-            <a:r>
-              <a:rPr lang="en-US" sz="2400" i="1" dirty="0"/>
-              <a:t>. </a:t>
-            </a:r>
-            <a:r>
-              <a:rPr lang="en-US" sz="2400" dirty="0"/>
-              <a:t>	</a:t>
-            </a:r>
-          </a:p>
-          <a:p>
-            <a:r>
-              <a:rPr lang="fr-FR" sz="2400" dirty="0" err="1"/>
-              <a:t>Pievienots</a:t>
-            </a:r>
-            <a:r>
-              <a:rPr lang="fr-FR" sz="2400" dirty="0"/>
-              <a:t> </a:t>
-            </a:r>
-            <a:r>
-              <a:rPr lang="fr-FR" sz="2400" dirty="0" err="1"/>
-              <a:t>jauns</a:t>
-            </a:r>
-            <a:r>
-              <a:rPr lang="fr-FR" sz="2400" dirty="0"/>
-              <a:t> </a:t>
-            </a:r>
-            <a:r>
-              <a:rPr lang="fr-FR" sz="2400" dirty="0" err="1"/>
-              <a:t>datu</a:t>
-            </a:r>
-            <a:r>
-              <a:rPr lang="fr-FR" sz="2400" dirty="0"/>
-              <a:t> </a:t>
-            </a:r>
-            <a:r>
-              <a:rPr lang="fr-FR" sz="2400" dirty="0" err="1"/>
-              <a:t>avots</a:t>
-            </a:r>
-            <a:r>
-              <a:rPr lang="fr-FR" sz="2400" dirty="0"/>
-              <a:t> </a:t>
-            </a:r>
-            <a:r>
-              <a:rPr lang="fr-FR" sz="2400" b="1" i="1" dirty="0" err="1"/>
-              <a:t>DSpace</a:t>
-            </a:r>
-            <a:r>
-              <a:rPr lang="fr-FR" sz="2400" dirty="0"/>
-              <a:t>. 	</a:t>
-            </a:r>
-          </a:p>
-          <a:p>
-            <a:r>
-              <a:rPr lang="en-US" sz="2400" dirty="0" err="1"/>
-              <a:t>Atjaunināta</a:t>
-            </a:r>
-            <a:r>
-              <a:rPr lang="en-US" sz="2400" dirty="0"/>
-              <a:t> </a:t>
-            </a:r>
-            <a:r>
-              <a:rPr lang="en-US" sz="2400" dirty="0" err="1"/>
-              <a:t>datu</a:t>
-            </a:r>
-            <a:r>
-              <a:rPr lang="en-US" sz="2400" dirty="0"/>
-              <a:t> </a:t>
-            </a:r>
-            <a:r>
-              <a:rPr lang="en-US" sz="2400" dirty="0" err="1"/>
-              <a:t>kopas</a:t>
-            </a:r>
-            <a:r>
-              <a:rPr lang="en-US" sz="2400" dirty="0"/>
-              <a:t> </a:t>
-            </a:r>
-            <a:r>
-              <a:rPr lang="en-US" sz="2400" b="1" i="1" dirty="0" err="1"/>
-              <a:t>Scopus_metrics</a:t>
-            </a:r>
-            <a:r>
-              <a:rPr lang="en-US" sz="2400" i="1" dirty="0"/>
-              <a:t> </a:t>
-            </a:r>
-            <a:r>
-              <a:rPr lang="en-US" sz="2400" dirty="0" err="1"/>
-              <a:t>metadatu</a:t>
-            </a:r>
-            <a:r>
-              <a:rPr lang="en-US" sz="2400" dirty="0"/>
-              <a:t> </a:t>
-            </a:r>
-            <a:r>
-              <a:rPr lang="en-US" sz="2400" dirty="0" err="1"/>
-              <a:t>īpašības</a:t>
-            </a:r>
-            <a:r>
-              <a:rPr lang="en-US" sz="2400" dirty="0"/>
-              <a:t> </a:t>
-            </a:r>
-            <a:r>
-              <a:rPr lang="en-US" sz="2400" b="1" i="1" dirty="0"/>
-              <a:t>API request </a:t>
-            </a:r>
-            <a:r>
-              <a:rPr lang="en-US" sz="2400" dirty="0" err="1"/>
-              <a:t>vērtība</a:t>
-            </a:r>
-            <a:r>
-              <a:rPr lang="en-US" sz="2400" dirty="0"/>
-              <a:t>. 	</a:t>
-            </a:r>
-          </a:p>
-          <a:p>
-            <a:pPr marL="0" indent="0">
-              <a:buNone/>
-            </a:pPr>
-            <a:endParaRPr lang="en-US" sz="2400" dirty="0"/>
-          </a:p>
-        </p:txBody>
-      </p:sp>
-    </p:spTree>
-    <p:extLst>
-      <p:ext uri="{BB962C8B-B14F-4D97-AF65-F5344CB8AC3E}">
-        <p14:creationId xmlns:p14="http://schemas.microsoft.com/office/powerpoint/2010/main" val="3596075170"/>
-      </p:ext>
-    </p:extLst>
-  </p:cSld>
-  <p:clrMapOvr>
-    <a:masterClrMapping/>
-  </p:clrMapOvr>
-</p:sld>
-</file>
-
-<file path=ppt/slides/slide11.xml><?xml version="1.0" encoding="utf-8"?>
 <p:sld xmlns:a="http://schemas.openxmlformats.org/drawingml/2006/main" xmlns:r="http://schemas.openxmlformats.org/officeDocument/2006/relationships" xmlns:p="http://schemas.openxmlformats.org/presentationml/2006/main">
   <p:cSld>
     <p:spTree>
@@ -14406,7 +14079,7 @@
 </p:sld>
 </file>
 
-<file path=ppt/slides/slide12.xml><?xml version="1.0" encoding="utf-8"?>
+<file path=ppt/slides/slide11.xml><?xml version="1.0" encoding="utf-8"?>
 <p:sld xmlns:a="http://schemas.openxmlformats.org/drawingml/2006/main" xmlns:r="http://schemas.openxmlformats.org/officeDocument/2006/relationships" xmlns:p="http://schemas.openxmlformats.org/presentationml/2006/main">
   <p:cSld>
     <p:spTree>
@@ -14510,7 +14183,7 @@
 </p:sld>
 </file>
 
-<file path=ppt/slides/slide13.xml><?xml version="1.0" encoding="utf-8"?>
+<file path=ppt/slides/slide12.xml><?xml version="1.0" encoding="utf-8"?>
 <p:sld xmlns:a="http://schemas.openxmlformats.org/drawingml/2006/main" xmlns:r="http://schemas.openxmlformats.org/officeDocument/2006/relationships" xmlns:p="http://schemas.openxmlformats.org/presentationml/2006/main">
   <p:cSld>
     <p:spTree>
@@ -14646,7 +14319,7 @@
 </p:sld>
 </file>
 
-<file path=ppt/slides/slide14.xml><?xml version="1.0" encoding="utf-8"?>
+<file path=ppt/slides/slide13.xml><?xml version="1.0" encoding="utf-8"?>
 <p:sld xmlns:a="http://schemas.openxmlformats.org/drawingml/2006/main" xmlns:r="http://schemas.openxmlformats.org/officeDocument/2006/relationships" xmlns:p="http://schemas.openxmlformats.org/presentationml/2006/main">
   <p:cSld>
     <p:spTree>
@@ -14749,7 +14422,7 @@
 </p:sld>
 </file>
 
-<file path=ppt/slides/slide15.xml><?xml version="1.0" encoding="utf-8"?>
+<file path=ppt/slides/slide14.xml><?xml version="1.0" encoding="utf-8"?>
 <p:sld xmlns:a="http://schemas.openxmlformats.org/drawingml/2006/main" xmlns:r="http://schemas.openxmlformats.org/officeDocument/2006/relationships" xmlns:p="http://schemas.openxmlformats.org/presentationml/2006/main">
   <p:cSld>
     <p:spTree>
@@ -14852,7 +14525,7 @@
 </p:sld>
 </file>
 
-<file path=ppt/slides/slide16.xml><?xml version="1.0" encoding="utf-8"?>
+<file path=ppt/slides/slide15.xml><?xml version="1.0" encoding="utf-8"?>
 <p:sld xmlns:a="http://schemas.openxmlformats.org/drawingml/2006/main" xmlns:r="http://schemas.openxmlformats.org/officeDocument/2006/relationships" xmlns:p="http://schemas.openxmlformats.org/presentationml/2006/main">
   <p:cSld>
     <p:spTree>
@@ -14961,10 +14634,196 @@
   <p:clrMapOvr>
     <a:masterClrMapping/>
   </p:clrMapOvr>
+  <p:timing>
+    <p:tnLst>
+      <p:par>
+        <p:cTn id="1" dur="indefinite" restart="never" nodeType="tmRoot">
+          <p:childTnLst>
+            <p:seq concurrent="1" nextAc="seek">
+              <p:cTn id="2" dur="indefinite" nodeType="mainSeq">
+                <p:childTnLst>
+                  <p:par>
+                    <p:cTn id="3" fill="hold">
+                      <p:stCondLst>
+                        <p:cond delay="indefinite"/>
+                      </p:stCondLst>
+                      <p:childTnLst>
+                        <p:par>
+                          <p:cTn id="4" fill="hold">
+                            <p:stCondLst>
+                              <p:cond delay="0"/>
+                            </p:stCondLst>
+                            <p:childTnLst>
+                              <p:par>
+                                <p:cTn id="5" presetID="26" presetClass="emph" presetSubtype="0" fill="hold" nodeType="clickEffect">
+                                  <p:stCondLst>
+                                    <p:cond delay="0"/>
+                                  </p:stCondLst>
+                                  <p:childTnLst>
+                                    <p:animEffect transition="out" filter="fade">
+                                      <p:cBhvr>
+                                        <p:cTn id="6" dur="500" tmFilter="0, 0; .2, .5; .8, .5; 1, 0"/>
+                                        <p:tgtEl>
+                                          <p:spTgt spid="3">
+                                            <p:txEl>
+                                              <p:pRg st="0" end="0"/>
+                                            </p:txEl>
+                                          </p:spTgt>
+                                        </p:tgtEl>
+                                      </p:cBhvr>
+                                    </p:animEffect>
+                                    <p:animScale>
+                                      <p:cBhvr>
+                                        <p:cTn id="7" dur="250" autoRev="1" fill="hold"/>
+                                        <p:tgtEl>
+                                          <p:spTgt spid="3">
+                                            <p:txEl>
+                                              <p:pRg st="0" end="0"/>
+                                            </p:txEl>
+                                          </p:spTgt>
+                                        </p:tgtEl>
+                                      </p:cBhvr>
+                                      <p:by x="105000" y="105000"/>
+                                    </p:animScale>
+                                  </p:childTnLst>
+                                </p:cTn>
+                              </p:par>
+                            </p:childTnLst>
+                          </p:cTn>
+                        </p:par>
+                      </p:childTnLst>
+                    </p:cTn>
+                  </p:par>
+                  <p:par>
+                    <p:cTn id="8" fill="hold">
+                      <p:stCondLst>
+                        <p:cond delay="indefinite"/>
+                      </p:stCondLst>
+                      <p:childTnLst>
+                        <p:par>
+                          <p:cTn id="9" fill="hold">
+                            <p:stCondLst>
+                              <p:cond delay="0"/>
+                            </p:stCondLst>
+                            <p:childTnLst>
+                              <p:par>
+                                <p:cTn id="10" presetID="26" presetClass="emph" presetSubtype="0" fill="hold" nodeType="clickEffect">
+                                  <p:stCondLst>
+                                    <p:cond delay="0"/>
+                                  </p:stCondLst>
+                                  <p:childTnLst>
+                                    <p:animEffect transition="out" filter="fade">
+                                      <p:cBhvr>
+                                        <p:cTn id="11" dur="500" tmFilter="0, 0; .2, .5; .8, .5; 1, 0"/>
+                                        <p:tgtEl>
+                                          <p:spTgt spid="3">
+                                            <p:txEl>
+                                              <p:pRg st="1" end="1"/>
+                                            </p:txEl>
+                                          </p:spTgt>
+                                        </p:tgtEl>
+                                      </p:cBhvr>
+                                    </p:animEffect>
+                                    <p:animScale>
+                                      <p:cBhvr>
+                                        <p:cTn id="12" dur="250" autoRev="1" fill="hold"/>
+                                        <p:tgtEl>
+                                          <p:spTgt spid="3">
+                                            <p:txEl>
+                                              <p:pRg st="1" end="1"/>
+                                            </p:txEl>
+                                          </p:spTgt>
+                                        </p:tgtEl>
+                                      </p:cBhvr>
+                                      <p:by x="105000" y="105000"/>
+                                    </p:animScale>
+                                  </p:childTnLst>
+                                </p:cTn>
+                              </p:par>
+                            </p:childTnLst>
+                          </p:cTn>
+                        </p:par>
+                      </p:childTnLst>
+                    </p:cTn>
+                  </p:par>
+                  <p:par>
+                    <p:cTn id="13" fill="hold">
+                      <p:stCondLst>
+                        <p:cond delay="indefinite"/>
+                      </p:stCondLst>
+                      <p:childTnLst>
+                        <p:par>
+                          <p:cTn id="14" fill="hold">
+                            <p:stCondLst>
+                              <p:cond delay="0"/>
+                            </p:stCondLst>
+                            <p:childTnLst>
+                              <p:par>
+                                <p:cTn id="15" presetID="26" presetClass="emph" presetSubtype="0" fill="hold" nodeType="clickEffect">
+                                  <p:stCondLst>
+                                    <p:cond delay="0"/>
+                                  </p:stCondLst>
+                                  <p:childTnLst>
+                                    <p:animEffect transition="out" filter="fade">
+                                      <p:cBhvr>
+                                        <p:cTn id="16" dur="500" tmFilter="0, 0; .2, .5; .8, .5; 1, 0"/>
+                                        <p:tgtEl>
+                                          <p:spTgt spid="3">
+                                            <p:txEl>
+                                              <p:pRg st="2" end="2"/>
+                                            </p:txEl>
+                                          </p:spTgt>
+                                        </p:tgtEl>
+                                      </p:cBhvr>
+                                    </p:animEffect>
+                                    <p:animScale>
+                                      <p:cBhvr>
+                                        <p:cTn id="17" dur="250" autoRev="1" fill="hold"/>
+                                        <p:tgtEl>
+                                          <p:spTgt spid="3">
+                                            <p:txEl>
+                                              <p:pRg st="2" end="2"/>
+                                            </p:txEl>
+                                          </p:spTgt>
+                                        </p:tgtEl>
+                                      </p:cBhvr>
+                                      <p:by x="105000" y="105000"/>
+                                    </p:animScale>
+                                  </p:childTnLst>
+                                </p:cTn>
+                              </p:par>
+                            </p:childTnLst>
+                          </p:cTn>
+                        </p:par>
+                      </p:childTnLst>
+                    </p:cTn>
+                  </p:par>
+                </p:childTnLst>
+              </p:cTn>
+              <p:prevCondLst>
+                <p:cond evt="onPrev" delay="0">
+                  <p:tgtEl>
+                    <p:sldTgt/>
+                  </p:tgtEl>
+                </p:cond>
+              </p:prevCondLst>
+              <p:nextCondLst>
+                <p:cond evt="onNext" delay="0">
+                  <p:tgtEl>
+                    <p:sldTgt/>
+                  </p:tgtEl>
+                </p:cond>
+              </p:nextCondLst>
+            </p:seq>
+          </p:childTnLst>
+        </p:cTn>
+      </p:par>
+    </p:tnLst>
+  </p:timing>
 </p:sld>
 </file>
 
-<file path=ppt/slides/slide17.xml><?xml version="1.0" encoding="utf-8"?>
+<file path=ppt/slides/slide16.xml><?xml version="1.0" encoding="utf-8"?>
 <p:sld xmlns:a="http://schemas.openxmlformats.org/drawingml/2006/main" xmlns:r="http://schemas.openxmlformats.org/officeDocument/2006/relationships" xmlns:p="http://schemas.openxmlformats.org/presentationml/2006/main">
   <p:cSld>
     <p:spTree>
@@ -16739,7 +16598,7 @@
 </p:sld>
 </file>
 
-<file path=ppt/slides/slide18.xml><?xml version="1.0" encoding="utf-8"?>
+<file path=ppt/slides/slide17.xml><?xml version="1.0" encoding="utf-8"?>
 <p:sld xmlns:a="http://schemas.openxmlformats.org/drawingml/2006/main" xmlns:r="http://schemas.openxmlformats.org/officeDocument/2006/relationships" xmlns:p="http://schemas.openxmlformats.org/presentationml/2006/main">
   <p:cSld>
     <p:spTree>
@@ -20006,36 +19865,6 @@
       </p:pic>
       <p:pic>
         <p:nvPicPr>
-          <p:cNvPr id="26" name="Picture 25">
-            <a:extLst>
-              <a:ext uri="{FF2B5EF4-FFF2-40B4-BE49-F238E27FC236}">
-                <a16:creationId xmlns:a16="http://schemas.microsoft.com/office/drawing/2014/main" id="{B079133D-6B0F-46DF-90D7-1E077890BC33}"/>
-              </a:ext>
-            </a:extLst>
-          </p:cNvPr>
-          <p:cNvPicPr>
-            <a:picLocks noChangeAspect="1"/>
-          </p:cNvPicPr>
-          <p:nvPr/>
-        </p:nvPicPr>
-        <p:blipFill>
-          <a:blip r:embed="rId8"/>
-          <a:stretch>
-            <a:fillRect/>
-          </a:stretch>
-        </p:blipFill>
-        <p:spPr>
-          <a:xfrm>
-            <a:off x="6080631" y="3676650"/>
-            <a:ext cx="76200" cy="57150"/>
-          </a:xfrm>
-          <a:prstGeom prst="rect">
-            <a:avLst/>
-          </a:prstGeom>
-        </p:spPr>
-      </p:pic>
-      <p:pic>
-        <p:nvPicPr>
           <p:cNvPr id="28" name="Picture 27" descr="A close up of a basketball hoop&#10;&#10;Description automatically generated">
             <a:extLst>
               <a:ext uri="{FF2B5EF4-FFF2-40B4-BE49-F238E27FC236}">
@@ -20049,7 +19878,7 @@
           <p:nvPr/>
         </p:nvPicPr>
         <p:blipFill>
-          <a:blip r:embed="rId9"/>
+          <a:blip r:embed="rId8"/>
           <a:stretch>
             <a:fillRect/>
           </a:stretch>
@@ -20079,7 +19908,7 @@
           <p:nvPr/>
         </p:nvPicPr>
         <p:blipFill>
-          <a:blip r:embed="rId10"/>
+          <a:blip r:embed="rId9"/>
           <a:stretch>
             <a:fillRect/>
           </a:stretch>
@@ -20109,7 +19938,7 @@
           <p:nvPr/>
         </p:nvPicPr>
         <p:blipFill>
-          <a:blip r:embed="rId11"/>
+          <a:blip r:embed="rId10"/>
           <a:stretch>
             <a:fillRect/>
           </a:stretch>
@@ -20139,7 +19968,7 @@
           <p:nvPr/>
         </p:nvPicPr>
         <p:blipFill rotWithShape="1">
-          <a:blip r:embed="rId12"/>
+          <a:blip r:embed="rId11"/>
           <a:srcRect t="19672" b="2539"/>
           <a:stretch/>
         </p:blipFill>
@@ -20168,7 +19997,7 @@
           <p:nvPr/>
         </p:nvPicPr>
         <p:blipFill>
-          <a:blip r:embed="rId13"/>
+          <a:blip r:embed="rId12"/>
           <a:stretch>
             <a:fillRect/>
           </a:stretch>
@@ -20198,7 +20027,7 @@
           <p:nvPr/>
         </p:nvPicPr>
         <p:blipFill>
-          <a:blip r:embed="rId14"/>
+          <a:blip r:embed="rId13"/>
           <a:stretch>
             <a:fillRect/>
           </a:stretch>
@@ -24879,7 +24708,7 @@
           <p:cNvPr id="2" name="Title 1">
             <a:extLst>
               <a:ext uri="{FF2B5EF4-FFF2-40B4-BE49-F238E27FC236}">
-                <a16:creationId xmlns:a16="http://schemas.microsoft.com/office/drawing/2014/main" id="{7ABBC0DD-F33E-4ADF-B977-CB4F27A0A36F}"/>
+                <a16:creationId xmlns:a16="http://schemas.microsoft.com/office/drawing/2014/main" id="{AD9E2DCD-BF27-4DD6-B0E1-33E605B12D7F}"/>
               </a:ext>
             </a:extLst>
           </p:cNvPr>
@@ -24892,8 +24721,8 @@
         </p:nvSpPr>
         <p:spPr>
           <a:xfrm>
-            <a:off x="581192" y="550830"/>
-            <a:ext cx="11029616" cy="679604"/>
+            <a:off x="581192" y="702156"/>
+            <a:ext cx="11029616" cy="628804"/>
           </a:xfrm>
         </p:spPr>
         <p:txBody>
@@ -24902,354 +24731,284 @@
           <a:p>
             <a:r>
               <a:rPr lang="lv-LV" dirty="0"/>
-              <a:t>Pupblikāciju lielo datu sistēma</a:t>
+              <a:t>Publikāciju lielo datu sistēmas datu avotu izmaiņas</a:t>
             </a:r>
             <a:endParaRPr lang="en-US" dirty="0"/>
           </a:p>
         </p:txBody>
       </p:sp>
-      <p:pic>
-        <p:nvPicPr>
-          <p:cNvPr id="5" name="Picture 4" descr="A close up of a logo&#10;&#10;Description automatically generated">
+      <p:sp>
+        <p:nvSpPr>
+          <p:cNvPr id="7" name="Content Placeholder 6">
             <a:extLst>
               <a:ext uri="{FF2B5EF4-FFF2-40B4-BE49-F238E27FC236}">
-                <a16:creationId xmlns:a16="http://schemas.microsoft.com/office/drawing/2014/main" id="{EA1B8228-7CA2-4DC1-9D3F-7ABAA96F625F}"/>
+                <a16:creationId xmlns:a16="http://schemas.microsoft.com/office/drawing/2014/main" id="{5D88F880-D5D7-4A0F-8D5F-0B3559E323D1}"/>
               </a:ext>
             </a:extLst>
           </p:cNvPr>
-          <p:cNvPicPr>
-            <a:picLocks noChangeAspect="1"/>
-          </p:cNvPicPr>
-          <p:nvPr/>
-        </p:nvPicPr>
-        <p:blipFill rotWithShape="1">
-          <a:blip r:embed="rId2"/>
-          <a:srcRect r="19105"/>
-          <a:stretch/>
-        </p:blipFill>
-        <p:spPr>
-          <a:xfrm>
-            <a:off x="2003586" y="1856546"/>
-            <a:ext cx="8388922" cy="3499346"/>
-          </a:xfrm>
-          <a:prstGeom prst="rect">
-            <a:avLst/>
-          </a:prstGeom>
-        </p:spPr>
-      </p:pic>
-      <p:sp>
-        <p:nvSpPr>
-          <p:cNvPr id="6" name="TextBox 5">
-            <a:extLst>
-              <a:ext uri="{FF2B5EF4-FFF2-40B4-BE49-F238E27FC236}">
-                <a16:creationId xmlns:a16="http://schemas.microsoft.com/office/drawing/2014/main" id="{92478CD9-A04E-4760-A273-6E9401EC0B4D}"/>
-              </a:ext>
-            </a:extLst>
-          </p:cNvPr>
-          <p:cNvSpPr txBox="1"/>
-          <p:nvPr/>
+          <p:cNvSpPr>
+            <a:spLocks noGrp="1"/>
+          </p:cNvSpPr>
+          <p:nvPr>
+            <p:ph idx="1"/>
+          </p:nvPr>
         </p:nvSpPr>
-        <p:spPr>
-          <a:xfrm>
-            <a:off x="0" y="6608116"/>
-            <a:ext cx="11860823" cy="230832"/>
-          </a:xfrm>
-          <a:prstGeom prst="rect">
-            <a:avLst/>
-          </a:prstGeom>
-          <a:noFill/>
-        </p:spPr>
+        <p:spPr/>
         <p:txBody>
-          <a:bodyPr wrap="square" rtlCol="0">
-            <a:spAutoFit/>
+          <a:bodyPr>
+            <a:normAutofit/>
           </a:bodyPr>
           <a:lstStyle/>
           <a:p>
             <a:r>
-              <a:rPr lang="lv-LV" sz="900" dirty="0">
-                <a:solidFill>
-                  <a:schemeClr val="bg1">
-                    <a:lumMod val="65000"/>
-                  </a:schemeClr>
-                </a:solidFill>
-              </a:rPr>
-              <a:t>Attēla atsauce: Darja Solodovnikova, Laila Niedrite, Aivars Niedritis, “On Metadata Support for Integrating Evolving Heterogeneous Data Sources”, European Conference on Advances in Databases and Information Systems (2019) </a:t>
+              <a:rPr lang="en-US" sz="2400" dirty="0" err="1"/>
+              <a:t>Datu</a:t>
             </a:r>
+            <a:r>
+              <a:rPr lang="en-US" sz="2400" dirty="0"/>
+              <a:t> </a:t>
+            </a:r>
+            <a:r>
+              <a:rPr lang="en-US" sz="2400" dirty="0" err="1"/>
+              <a:t>kopai</a:t>
+            </a:r>
+            <a:r>
+              <a:rPr lang="en-US" sz="2400" dirty="0"/>
+              <a:t> </a:t>
+            </a:r>
+            <a:r>
+              <a:rPr lang="en-US" sz="2400" b="1" i="1" dirty="0" err="1"/>
+              <a:t>Scopus_metrics</a:t>
+            </a:r>
+            <a:r>
+              <a:rPr lang="en-US" sz="2400" i="1" dirty="0"/>
+              <a:t> </a:t>
+            </a:r>
+            <a:r>
+              <a:rPr lang="en-US" sz="2400" dirty="0" err="1"/>
+              <a:t>pievienota</a:t>
+            </a:r>
+            <a:r>
+              <a:rPr lang="en-US" sz="2400" dirty="0"/>
+              <a:t> </a:t>
+            </a:r>
+            <a:r>
+              <a:rPr lang="en-US" sz="2400" dirty="0" err="1"/>
+              <a:t>datu</a:t>
+            </a:r>
+            <a:r>
+              <a:rPr lang="en-US" sz="2400" dirty="0"/>
+              <a:t> </a:t>
+            </a:r>
+            <a:r>
+              <a:rPr lang="en-US" sz="2400" dirty="0" err="1"/>
+              <a:t>vienība</a:t>
+            </a:r>
+            <a:r>
+              <a:rPr lang="en-US" sz="2400" dirty="0"/>
+              <a:t> </a:t>
+            </a:r>
+            <a:r>
+              <a:rPr lang="en-US" sz="2400" b="1" i="1" dirty="0" err="1"/>
+              <a:t>citeScoreYearInfoList</a:t>
+            </a:r>
+            <a:r>
+              <a:rPr lang="en-US" sz="2400" i="1" dirty="0"/>
+              <a:t>. </a:t>
+            </a:r>
+            <a:r>
+              <a:rPr lang="en-US" sz="2400" dirty="0"/>
+              <a:t>	</a:t>
+            </a:r>
+          </a:p>
+          <a:p>
+            <a:r>
+              <a:rPr lang="en-US" sz="2400" dirty="0"/>
+              <a:t>No </a:t>
+            </a:r>
+            <a:r>
+              <a:rPr lang="en-US" sz="2400" dirty="0" err="1"/>
+              <a:t>datu</a:t>
+            </a:r>
+            <a:r>
+              <a:rPr lang="en-US" sz="2400" dirty="0"/>
+              <a:t> </a:t>
+            </a:r>
+            <a:r>
+              <a:rPr lang="en-US" sz="2400" dirty="0" err="1"/>
+              <a:t>kopas</a:t>
+            </a:r>
+            <a:r>
+              <a:rPr lang="en-US" sz="2400" dirty="0"/>
+              <a:t> </a:t>
+            </a:r>
+            <a:r>
+              <a:rPr lang="en-US" sz="2400" b="1" i="1" dirty="0" err="1"/>
+              <a:t>Scopus_metrics</a:t>
+            </a:r>
+            <a:r>
+              <a:rPr lang="en-US" sz="2400" i="1" dirty="0"/>
+              <a:t> </a:t>
+            </a:r>
+            <a:r>
+              <a:rPr lang="en-US" sz="2400" dirty="0" err="1"/>
+              <a:t>izdzēsta</a:t>
+            </a:r>
+            <a:r>
+              <a:rPr lang="en-US" sz="2400" dirty="0"/>
+              <a:t> </a:t>
+            </a:r>
+            <a:r>
+              <a:rPr lang="en-US" sz="2400" dirty="0" err="1"/>
+              <a:t>datu</a:t>
+            </a:r>
+            <a:r>
+              <a:rPr lang="en-US" sz="2400" dirty="0"/>
+              <a:t> </a:t>
+            </a:r>
+            <a:r>
+              <a:rPr lang="en-US" sz="2400" dirty="0" err="1"/>
+              <a:t>vienība</a:t>
+            </a:r>
+            <a:r>
+              <a:rPr lang="en-US" sz="2400" dirty="0"/>
+              <a:t> </a:t>
+            </a:r>
+            <a:r>
+              <a:rPr lang="en-US" sz="2400" b="1" i="1" dirty="0"/>
+              <a:t>IPP</a:t>
+            </a:r>
+            <a:r>
+              <a:rPr lang="en-US" sz="2400" i="1" dirty="0"/>
+              <a:t>. </a:t>
+            </a:r>
+            <a:r>
+              <a:rPr lang="en-US" sz="2400" dirty="0"/>
+              <a:t>	</a:t>
+            </a:r>
+          </a:p>
+          <a:p>
+            <a:r>
+              <a:rPr lang="fr-FR" sz="2400" dirty="0" err="1"/>
+              <a:t>Pievienots</a:t>
+            </a:r>
+            <a:r>
+              <a:rPr lang="fr-FR" sz="2400" dirty="0"/>
+              <a:t> </a:t>
+            </a:r>
+            <a:r>
+              <a:rPr lang="fr-FR" sz="2400" dirty="0" err="1"/>
+              <a:t>jauns</a:t>
+            </a:r>
+            <a:r>
+              <a:rPr lang="fr-FR" sz="2400" dirty="0"/>
+              <a:t> </a:t>
+            </a:r>
+            <a:r>
+              <a:rPr lang="fr-FR" sz="2400" dirty="0" err="1"/>
+              <a:t>datu</a:t>
+            </a:r>
+            <a:r>
+              <a:rPr lang="fr-FR" sz="2400" dirty="0"/>
+              <a:t> </a:t>
+            </a:r>
+            <a:r>
+              <a:rPr lang="fr-FR" sz="2400" dirty="0" err="1"/>
+              <a:t>avots</a:t>
+            </a:r>
+            <a:r>
+              <a:rPr lang="fr-FR" sz="2400" dirty="0"/>
+              <a:t> </a:t>
+            </a:r>
+            <a:r>
+              <a:rPr lang="fr-FR" sz="2400" b="1" i="1" dirty="0" err="1"/>
+              <a:t>DSpace</a:t>
+            </a:r>
+            <a:r>
+              <a:rPr lang="fr-FR" sz="2400" dirty="0"/>
+              <a:t>. 	</a:t>
+            </a:r>
+          </a:p>
+          <a:p>
+            <a:r>
+              <a:rPr lang="en-US" sz="2400" dirty="0" err="1"/>
+              <a:t>Atjaunināta</a:t>
+            </a:r>
+            <a:r>
+              <a:rPr lang="en-US" sz="2400" dirty="0"/>
+              <a:t> </a:t>
+            </a:r>
+            <a:r>
+              <a:rPr lang="en-US" sz="2400" dirty="0" err="1"/>
+              <a:t>datu</a:t>
+            </a:r>
+            <a:r>
+              <a:rPr lang="en-US" sz="2400" dirty="0"/>
+              <a:t> </a:t>
+            </a:r>
+            <a:r>
+              <a:rPr lang="en-US" sz="2400" dirty="0" err="1"/>
+              <a:t>kopas</a:t>
+            </a:r>
+            <a:r>
+              <a:rPr lang="en-US" sz="2400" dirty="0"/>
+              <a:t> </a:t>
+            </a:r>
+            <a:r>
+              <a:rPr lang="en-US" sz="2400" b="1" i="1" dirty="0" err="1"/>
+              <a:t>Scopus_metrics</a:t>
+            </a:r>
+            <a:r>
+              <a:rPr lang="en-US" sz="2400" i="1" dirty="0"/>
+              <a:t> </a:t>
+            </a:r>
+            <a:r>
+              <a:rPr lang="en-US" sz="2400" dirty="0" err="1"/>
+              <a:t>metadatu</a:t>
+            </a:r>
+            <a:r>
+              <a:rPr lang="en-US" sz="2400" dirty="0"/>
+              <a:t> </a:t>
+            </a:r>
+            <a:r>
+              <a:rPr lang="en-US" sz="2400" dirty="0" err="1"/>
+              <a:t>īpašības</a:t>
+            </a:r>
+            <a:r>
+              <a:rPr lang="en-US" sz="2400" dirty="0"/>
+              <a:t> </a:t>
+            </a:r>
+            <a:r>
+              <a:rPr lang="en-US" sz="2400" b="1" i="1" dirty="0"/>
+              <a:t>API request </a:t>
+            </a:r>
+            <a:r>
+              <a:rPr lang="en-US" sz="2400" dirty="0" err="1"/>
+              <a:t>vērtība</a:t>
+            </a:r>
+            <a:r>
+              <a:rPr lang="en-US" sz="2400" dirty="0"/>
+              <a:t>. 	</a:t>
+            </a:r>
+          </a:p>
+          <a:p>
+            <a:pPr marL="0" indent="0">
+              <a:buNone/>
+            </a:pPr>
+            <a:endParaRPr lang="en-US" sz="2400" dirty="0"/>
           </a:p>
         </p:txBody>
       </p:sp>
-      <p:pic>
-        <p:nvPicPr>
-          <p:cNvPr id="10" name="Picture 9" descr="A close up of a sign&#10;&#10;Description automatically generated">
-            <a:extLst>
-              <a:ext uri="{FF2B5EF4-FFF2-40B4-BE49-F238E27FC236}">
-                <a16:creationId xmlns:a16="http://schemas.microsoft.com/office/drawing/2014/main" id="{9C26AC8C-E3AA-4667-BE6F-A9F133B45C61}"/>
-              </a:ext>
-            </a:extLst>
-          </p:cNvPr>
-          <p:cNvPicPr>
-            <a:picLocks noChangeAspect="1"/>
-          </p:cNvPicPr>
-          <p:nvPr/>
-        </p:nvPicPr>
-        <p:blipFill>
-          <a:blip r:embed="rId3"/>
-          <a:stretch>
-            <a:fillRect/>
-          </a:stretch>
-        </p:blipFill>
-        <p:spPr>
-          <a:xfrm>
-            <a:off x="2003585" y="2307247"/>
-            <a:ext cx="2124075" cy="2124075"/>
-          </a:xfrm>
-          <a:prstGeom prst="rect">
-            <a:avLst/>
-          </a:prstGeom>
-        </p:spPr>
-      </p:pic>
-      <p:pic>
-        <p:nvPicPr>
-          <p:cNvPr id="12" name="Picture 11" descr="A close up of a sign&#10;&#10;Description automatically generated">
-            <a:extLst>
-              <a:ext uri="{FF2B5EF4-FFF2-40B4-BE49-F238E27FC236}">
-                <a16:creationId xmlns:a16="http://schemas.microsoft.com/office/drawing/2014/main" id="{7FBF093F-2F51-4599-B77A-E4D606867C40}"/>
-              </a:ext>
-            </a:extLst>
-          </p:cNvPr>
-          <p:cNvPicPr>
-            <a:picLocks noChangeAspect="1"/>
-          </p:cNvPicPr>
-          <p:nvPr/>
-        </p:nvPicPr>
-        <p:blipFill>
-          <a:blip r:embed="rId4"/>
-          <a:stretch>
-            <a:fillRect/>
-          </a:stretch>
-        </p:blipFill>
-        <p:spPr>
-          <a:xfrm>
-            <a:off x="3479482" y="2307247"/>
-            <a:ext cx="7081319" cy="2589873"/>
-          </a:xfrm>
-          <a:prstGeom prst="rect">
-            <a:avLst/>
-          </a:prstGeom>
-        </p:spPr>
-      </p:pic>
     </p:spTree>
     <p:extLst>
       <p:ext uri="{BB962C8B-B14F-4D97-AF65-F5344CB8AC3E}">
-        <p14:creationId xmlns:p14="http://schemas.microsoft.com/office/powerpoint/2010/main" val="1127061812"/>
+        <p14:creationId xmlns:p14="http://schemas.microsoft.com/office/powerpoint/2010/main" val="3596075170"/>
       </p:ext>
     </p:extLst>
   </p:cSld>
   <p:clrMapOvr>
     <a:masterClrMapping/>
   </p:clrMapOvr>
-  <p:timing>
-    <p:tnLst>
-      <p:par>
-        <p:cTn id="1" dur="indefinite" restart="never" nodeType="tmRoot">
-          <p:childTnLst>
-            <p:seq concurrent="1" nextAc="seek">
-              <p:cTn id="2" dur="indefinite" nodeType="mainSeq">
-                <p:childTnLst>
-                  <p:par>
-                    <p:cTn id="3" fill="hold">
-                      <p:stCondLst>
-                        <p:cond delay="indefinite"/>
-                      </p:stCondLst>
-                      <p:childTnLst>
-                        <p:par>
-                          <p:cTn id="4" fill="hold">
-                            <p:stCondLst>
-                              <p:cond delay="0"/>
-                            </p:stCondLst>
-                            <p:childTnLst>
-                              <p:par>
-                                <p:cTn id="5" presetID="9" presetClass="emph" presetSubtype="0" nodeType="clickEffect">
-                                  <p:stCondLst>
-                                    <p:cond delay="0"/>
-                                  </p:stCondLst>
-                                  <p:childTnLst>
-                                    <p:set>
-                                      <p:cBhvr>
-                                        <p:cTn id="6" dur="indefinite"/>
-                                        <p:tgtEl>
-                                          <p:spTgt spid="5"/>
-                                        </p:tgtEl>
-                                        <p:attrNameLst>
-                                          <p:attrName>style.opacity</p:attrName>
-                                        </p:attrNameLst>
-                                      </p:cBhvr>
-                                      <p:to>
-                                        <p:strVal val="0.25"/>
-                                      </p:to>
-                                    </p:set>
-                                    <p:animEffect filter="image" prLst="opacity: 0.25">
-                                      <p:cBhvr rctx="IE">
-                                        <p:cTn id="7" dur="indefinite"/>
-                                        <p:tgtEl>
-                                          <p:spTgt spid="5"/>
-                                        </p:tgtEl>
-                                      </p:cBhvr>
-                                    </p:animEffect>
-                                  </p:childTnLst>
-                                </p:cTn>
-                              </p:par>
-                              <p:par>
-                                <p:cTn id="8" presetID="10" presetClass="entr" presetSubtype="0" fill="hold" nodeType="withEffect">
-                                  <p:stCondLst>
-                                    <p:cond delay="0"/>
-                                  </p:stCondLst>
-                                  <p:childTnLst>
-                                    <p:set>
-                                      <p:cBhvr>
-                                        <p:cTn id="9" dur="1" fill="hold">
-                                          <p:stCondLst>
-                                            <p:cond delay="0"/>
-                                          </p:stCondLst>
-                                        </p:cTn>
-                                        <p:tgtEl>
-                                          <p:spTgt spid="10"/>
-                                        </p:tgtEl>
-                                        <p:attrNameLst>
-                                          <p:attrName>style.visibility</p:attrName>
-                                        </p:attrNameLst>
-                                      </p:cBhvr>
-                                      <p:to>
-                                        <p:strVal val="visible"/>
-                                      </p:to>
-                                    </p:set>
-                                    <p:animEffect transition="in" filter="fade">
-                                      <p:cBhvr>
-                                        <p:cTn id="10" dur="500"/>
-                                        <p:tgtEl>
-                                          <p:spTgt spid="10"/>
-                                        </p:tgtEl>
-                                      </p:cBhvr>
-                                    </p:animEffect>
-                                  </p:childTnLst>
-                                </p:cTn>
-                              </p:par>
-                            </p:childTnLst>
-                          </p:cTn>
-                        </p:par>
-                      </p:childTnLst>
-                    </p:cTn>
-                  </p:par>
-                  <p:par>
-                    <p:cTn id="11" fill="hold">
-                      <p:stCondLst>
-                        <p:cond delay="indefinite"/>
-                      </p:stCondLst>
-                      <p:childTnLst>
-                        <p:par>
-                          <p:cTn id="12" fill="hold">
-                            <p:stCondLst>
-                              <p:cond delay="0"/>
-                            </p:stCondLst>
-                            <p:childTnLst>
-                              <p:par>
-                                <p:cTn id="13" presetID="10" presetClass="exit" presetSubtype="0" fill="hold" nodeType="clickEffect">
-                                  <p:stCondLst>
-                                    <p:cond delay="0"/>
-                                  </p:stCondLst>
-                                  <p:childTnLst>
-                                    <p:animEffect transition="out" filter="fade">
-                                      <p:cBhvr>
-                                        <p:cTn id="14" dur="500"/>
-                                        <p:tgtEl>
-                                          <p:spTgt spid="10"/>
-                                        </p:tgtEl>
-                                      </p:cBhvr>
-                                    </p:animEffect>
-                                    <p:set>
-                                      <p:cBhvr>
-                                        <p:cTn id="15" dur="1" fill="hold">
-                                          <p:stCondLst>
-                                            <p:cond delay="499"/>
-                                          </p:stCondLst>
-                                        </p:cTn>
-                                        <p:tgtEl>
-                                          <p:spTgt spid="10"/>
-                                        </p:tgtEl>
-                                        <p:attrNameLst>
-                                          <p:attrName>style.visibility</p:attrName>
-                                        </p:attrNameLst>
-                                      </p:cBhvr>
-                                      <p:to>
-                                        <p:strVal val="hidden"/>
-                                      </p:to>
-                                    </p:set>
-                                  </p:childTnLst>
-                                </p:cTn>
-                              </p:par>
-                              <p:par>
-                                <p:cTn id="16" presetID="10" presetClass="entr" presetSubtype="0" fill="hold" nodeType="withEffect">
-                                  <p:stCondLst>
-                                    <p:cond delay="0"/>
-                                  </p:stCondLst>
-                                  <p:childTnLst>
-                                    <p:set>
-                                      <p:cBhvr>
-                                        <p:cTn id="17" dur="1" fill="hold">
-                                          <p:stCondLst>
-                                            <p:cond delay="0"/>
-                                          </p:stCondLst>
-                                        </p:cTn>
-                                        <p:tgtEl>
-                                          <p:spTgt spid="12"/>
-                                        </p:tgtEl>
-                                        <p:attrNameLst>
-                                          <p:attrName>style.visibility</p:attrName>
-                                        </p:attrNameLst>
-                                      </p:cBhvr>
-                                      <p:to>
-                                        <p:strVal val="visible"/>
-                                      </p:to>
-                                    </p:set>
-                                    <p:animEffect transition="in" filter="fade">
-                                      <p:cBhvr>
-                                        <p:cTn id="18" dur="500"/>
-                                        <p:tgtEl>
-                                          <p:spTgt spid="12"/>
-                                        </p:tgtEl>
-                                      </p:cBhvr>
-                                    </p:animEffect>
-                                  </p:childTnLst>
-                                </p:cTn>
-                              </p:par>
-                            </p:childTnLst>
-                          </p:cTn>
-                        </p:par>
-                      </p:childTnLst>
-                    </p:cTn>
-                  </p:par>
-                </p:childTnLst>
-              </p:cTn>
-              <p:prevCondLst>
-                <p:cond evt="onPrev" delay="0">
-                  <p:tgtEl>
-                    <p:sldTgt/>
-                  </p:tgtEl>
-                </p:cond>
-              </p:prevCondLst>
-              <p:nextCondLst>
-                <p:cond evt="onNext" delay="0">
-                  <p:tgtEl>
-                    <p:sldTgt/>
-                  </p:tgtEl>
-                </p:cond>
-              </p:nextCondLst>
-            </p:seq>
-          </p:childTnLst>
-        </p:cTn>
-      </p:par>
-    </p:tnLst>
-  </p:timing>
 </p:sld>
 </file>
 
@@ -25818,21 +25577,21 @@
 </file>
 
 <file path=customXml/item1.xml><?xml version="1.0" encoding="utf-8"?>
+<p:properties xmlns:p="http://schemas.microsoft.com/office/2006/metadata/properties" xmlns:xsi="http://www.w3.org/2001/XMLSchema-instance" xmlns:pc="http://schemas.microsoft.com/office/infopath/2007/PartnerControls">
+  <documentManagement>
+    <Status xmlns="71af3243-3dd4-4a8d-8c0d-dd76da1f02a5">Not started</Status>
+    <MediaServiceKeyPoints xmlns="71af3243-3dd4-4a8d-8c0d-dd76da1f02a5" xsi:nil="true"/>
+  </documentManagement>
+</p:properties>
+</file>
+
+<file path=customXml/item2.xml><?xml version="1.0" encoding="utf-8"?>
 <?mso-contentType ?>
 <FormTemplates xmlns="http://schemas.microsoft.com/sharepoint/v3/contenttype/forms">
   <Display>DocumentLibraryForm</Display>
   <Edit>DocumentLibraryForm</Edit>
   <New>DocumentLibraryForm</New>
 </FormTemplates>
-</file>
-
-<file path=customXml/item2.xml><?xml version="1.0" encoding="utf-8"?>
-<p:properties xmlns:p="http://schemas.microsoft.com/office/2006/metadata/properties" xmlns:xsi="http://www.w3.org/2001/XMLSchema-instance" xmlns:pc="http://schemas.microsoft.com/office/infopath/2007/PartnerControls">
-  <documentManagement>
-    <Status xmlns="71af3243-3dd4-4a8d-8c0d-dd76da1f02a5">Not started</Status>
-    <MediaServiceKeyPoints xmlns="71af3243-3dd4-4a8d-8c0d-dd76da1f02a5" xsi:nil="true"/>
-  </documentManagement>
-</p:properties>
 </file>
 
 <file path=customXml/item3.xml><?xml version="1.0" encoding="utf-8"?>
@@ -26057,19 +25816,19 @@
 </file>
 
 <file path=customXml/itemProps1.xml><?xml version="1.0" encoding="utf-8"?>
-<ds:datastoreItem xmlns:ds="http://schemas.openxmlformats.org/officeDocument/2006/customXml" ds:itemID="{927BD4C1-B6B1-4715-ABF9-E660A51A4EA0}">
+<ds:datastoreItem xmlns:ds="http://schemas.openxmlformats.org/officeDocument/2006/customXml" ds:itemID="{8D289AE2-D2AE-49D1-AFAC-3A79F6794255}">
   <ds:schemaRefs>
-    <ds:schemaRef ds:uri="http://schemas.microsoft.com/sharepoint/v3/contenttype/forms"/>
+    <ds:schemaRef ds:uri="http://schemas.microsoft.com/office/2006/metadata/properties"/>
+    <ds:schemaRef ds:uri="http://schemas.microsoft.com/office/infopath/2007/PartnerControls"/>
+    <ds:schemaRef ds:uri="71af3243-3dd4-4a8d-8c0d-dd76da1f02a5"/>
   </ds:schemaRefs>
 </ds:datastoreItem>
 </file>
 
 <file path=customXml/itemProps2.xml><?xml version="1.0" encoding="utf-8"?>
-<ds:datastoreItem xmlns:ds="http://schemas.openxmlformats.org/officeDocument/2006/customXml" ds:itemID="{8D289AE2-D2AE-49D1-AFAC-3A79F6794255}">
+<ds:datastoreItem xmlns:ds="http://schemas.openxmlformats.org/officeDocument/2006/customXml" ds:itemID="{927BD4C1-B6B1-4715-ABF9-E660A51A4EA0}">
   <ds:schemaRefs>
-    <ds:schemaRef ds:uri="http://schemas.microsoft.com/office/2006/metadata/properties"/>
-    <ds:schemaRef ds:uri="http://schemas.microsoft.com/office/infopath/2007/PartnerControls"/>
-    <ds:schemaRef ds:uri="71af3243-3dd4-4a8d-8c0d-dd76da1f02a5"/>
+    <ds:schemaRef ds:uri="http://schemas.microsoft.com/sharepoint/v3/contenttype/forms"/>
   </ds:schemaRefs>
 </ds:datastoreItem>
 </file>

--- a/doc/Lauma_Svilpe_prezentācija.pptx
+++ b/doc/Lauma_Svilpe_prezentācija.pptx
@@ -8558,7 +8558,7 @@
           <a:p>
             <a:fld id="{63A34E8F-3565-4A53-AB95-227C82C9CE80}" type="datetimeFigureOut">
               <a:rPr lang="en-US" smtClean="0"/>
-              <a:t>6/1/2020</a:t>
+              <a:t>6/2/2020</a:t>
             </a:fld>
             <a:endParaRPr lang="en-US"/>
           </a:p>
@@ -9063,7 +9063,7 @@
           <a:p>
             <a:fld id="{ED291B17-9318-49DB-B28B-6E5994AE9581}" type="datetime1">
               <a:rPr lang="en-US" smtClean="0"/>
-              <a:t>6/1/2020</a:t>
+              <a:t>6/2/2020</a:t>
             </a:fld>
             <a:endParaRPr lang="en-US" dirty="0"/>
           </a:p>
@@ -9266,7 +9266,7 @@
           <a:p>
             <a:fld id="{2CED4963-E985-44C4-B8C4-FDD613B7C2F8}" type="datetime1">
               <a:rPr lang="en-US" smtClean="0"/>
-              <a:t>6/1/2020</a:t>
+              <a:t>6/2/2020</a:t>
             </a:fld>
             <a:endParaRPr lang="en-US" dirty="0"/>
           </a:p>
@@ -9628,7 +9628,7 @@
           <a:p>
             <a:fld id="{ED291B17-9318-49DB-B28B-6E5994AE9581}" type="datetime1">
               <a:rPr lang="en-US" smtClean="0"/>
-              <a:t>6/1/2020</a:t>
+              <a:t>6/2/2020</a:t>
             </a:fld>
             <a:endParaRPr lang="en-US" dirty="0"/>
           </a:p>
@@ -9826,7 +9826,7 @@
           <a:p>
             <a:fld id="{78DD82B9-B8EE-4375-B6FF-88FA6ABB15D9}" type="datetime1">
               <a:rPr lang="en-US" smtClean="0"/>
-              <a:t>6/1/2020</a:t>
+              <a:t>6/2/2020</a:t>
             </a:fld>
             <a:endParaRPr lang="en-US" dirty="0"/>
           </a:p>
@@ -10138,7 +10138,7 @@
           <a:p>
             <a:fld id="{B2497495-0637-405E-AE64-5CC7506D51F5}" type="datetime1">
               <a:rPr lang="en-US" smtClean="0"/>
-              <a:t>6/1/2020</a:t>
+              <a:t>6/2/2020</a:t>
             </a:fld>
             <a:endParaRPr lang="en-US" dirty="0"/>
           </a:p>
@@ -10391,7 +10391,7 @@
           <a:p>
             <a:fld id="{7BFFD690-9426-415D-8B65-26881E07B2D4}" type="datetime1">
               <a:rPr lang="en-US" smtClean="0"/>
-              <a:t>6/1/2020</a:t>
+              <a:t>6/2/2020</a:t>
             </a:fld>
             <a:endParaRPr lang="en-US" dirty="0"/>
           </a:p>
@@ -10813,7 +10813,7 @@
           <a:p>
             <a:fld id="{04C4989A-474C-40DE-95B9-011C28B71673}" type="datetime1">
               <a:rPr lang="en-US" smtClean="0"/>
-              <a:t>6/1/2020</a:t>
+              <a:t>6/2/2020</a:t>
             </a:fld>
             <a:endParaRPr lang="en-US" dirty="0"/>
           </a:p>
@@ -10936,7 +10936,7 @@
           <a:p>
             <a:fld id="{5DB4ED54-5B5E-4A04-93D3-5772E3CE3818}" type="datetime1">
               <a:rPr lang="en-US" smtClean="0"/>
-              <a:t>6/1/2020</a:t>
+              <a:t>6/2/2020</a:t>
             </a:fld>
             <a:endParaRPr lang="en-US" dirty="0"/>
           </a:p>
@@ -11031,7 +11031,7 @@
           <a:p>
             <a:fld id="{4EDE50D6-574B-40AF-946F-D52A04ADE379}" type="datetime1">
               <a:rPr lang="en-US" smtClean="0"/>
-              <a:t>6/1/2020</a:t>
+              <a:t>6/2/2020</a:t>
             </a:fld>
             <a:endParaRPr lang="en-US" dirty="0"/>
           </a:p>
@@ -11408,7 +11408,7 @@
           <a:p>
             <a:fld id="{D82884F1-FFEA-405F-9602-3DCA865EDA4E}" type="datetime1">
               <a:rPr lang="en-US" smtClean="0"/>
-              <a:t>6/1/2020</a:t>
+              <a:t>6/2/2020</a:t>
             </a:fld>
             <a:endParaRPr lang="en-US" dirty="0"/>
           </a:p>
@@ -11701,7 +11701,7 @@
           <a:p>
             <a:fld id="{7E18DB4A-8810-4A10-AD5C-D5E2C667F5B3}" type="datetime1">
               <a:rPr lang="en-US" smtClean="0"/>
-              <a:t>6/1/2020</a:t>
+              <a:t>6/2/2020</a:t>
             </a:fld>
             <a:endParaRPr lang="en-US" dirty="0"/>
           </a:p>
@@ -11916,7 +11916,7 @@
           <a:p>
             <a:fld id="{ED291B17-9318-49DB-B28B-6E5994AE9581}" type="datetime1">
               <a:rPr lang="en-US" smtClean="0"/>
-              <a:t>6/1/2020</a:t>
+              <a:t>6/2/2020</a:t>
             </a:fld>
             <a:endParaRPr lang="en-US" dirty="0"/>
           </a:p>
@@ -12698,9 +12698,13 @@
             </a:r>
             <a:r>
               <a:rPr lang="lv-LV" b="1" cap="none" dirty="0"/>
-              <a:t>Lauma Svilpe</a:t>
+              <a:t>Lauma Svilpe </a:t>
             </a:r>
-            <a:endParaRPr lang="lv-LV" b="1" dirty="0"/>
+            <a:r>
+              <a:rPr lang="lv-LV" cap="none" dirty="0"/>
+              <a:t>ls16043</a:t>
+            </a:r>
+            <a:endParaRPr lang="lv-LV" dirty="0"/>
           </a:p>
           <a:p>
             <a:pPr>
@@ -14300,7 +14304,7 @@
           <a:p>
             <a:r>
               <a:rPr lang="lv-LV" sz="2000" dirty="0"/>
-              <a:t>Datu maģistrāles līmeņa dzīešana</a:t>
+              <a:t>Datu maģistrāles līmeņa dzēšana</a:t>
             </a:r>
             <a:endParaRPr lang="en-US" sz="2000" dirty="0"/>
           </a:p>
